--- a/slides/week3.pptx
+++ b/slides/week3.pptx
@@ -4001,7 +4001,169 @@
           <a:bodyPr/>
           <a:lstStyle/>
           <a:p>
-            <a:endParaRPr lang="en-US"/>
+            <a:endParaRPr lang="en-US" dirty="0" smtClean="0"/>
+          </a:p>
+          <a:p>
+            <a:r>
+              <a:rPr lang="en-US" dirty="0" smtClean="0"/>
+              <a:t>Do all these without GLSL </a:t>
+            </a:r>
+            <a:r>
+              <a:rPr lang="en-US" dirty="0" err="1" smtClean="0"/>
+              <a:t>shaders</a:t>
+            </a:r>
+            <a:r>
+              <a:rPr lang="en-US" dirty="0" smtClean="0"/>
+              <a:t>...</a:t>
+            </a:r>
+          </a:p>
+          <a:p>
+            <a:endParaRPr lang="en-US" dirty="0" smtClean="0"/>
+          </a:p>
+          <a:p>
+            <a:r>
+              <a:rPr lang="en-US" dirty="0" smtClean="0"/>
+              <a:t>- Blending textures : </a:t>
+            </a:r>
+            <a:r>
+              <a:rPr lang="en-US" dirty="0" err="1" smtClean="0"/>
+              <a:t>Nehe</a:t>
+            </a:r>
+            <a:r>
+              <a:rPr lang="en-US" dirty="0" smtClean="0"/>
+              <a:t> 8 &amp; 9 - </a:t>
+            </a:r>
+            <a:r>
+              <a:rPr lang="en-US" dirty="0" err="1" smtClean="0"/>
+              <a:t>Haru</a:t>
+            </a:r>
+            <a:r>
+              <a:rPr lang="en-US" dirty="0" smtClean="0"/>
+              <a:t> &amp; Danny</a:t>
+            </a:r>
+          </a:p>
+          <a:p>
+            <a:endParaRPr lang="en-US" dirty="0" smtClean="0"/>
+          </a:p>
+          <a:p>
+            <a:r>
+              <a:rPr lang="en-US" dirty="0" smtClean="0"/>
+              <a:t>- Vertex displacement / morphing : </a:t>
+            </a:r>
+            <a:r>
+              <a:rPr lang="en-US" dirty="0" err="1" smtClean="0"/>
+              <a:t>Nehe</a:t>
+            </a:r>
+            <a:r>
+              <a:rPr lang="en-US" dirty="0" smtClean="0"/>
+              <a:t> 11, 25 - </a:t>
+            </a:r>
+            <a:r>
+              <a:rPr lang="en-US" dirty="0" err="1" smtClean="0"/>
+              <a:t>Haru</a:t>
+            </a:r>
+            <a:r>
+              <a:rPr lang="en-US" dirty="0" smtClean="0"/>
+              <a:t> &amp; </a:t>
+            </a:r>
+            <a:r>
+              <a:rPr lang="en-US" dirty="0" smtClean="0"/>
+              <a:t>Gates</a:t>
+            </a:r>
+            <a:endParaRPr lang="en-US" dirty="0" smtClean="0"/>
+          </a:p>
+          <a:p>
+            <a:endParaRPr lang="en-US" dirty="0" smtClean="0"/>
+          </a:p>
+          <a:p>
+            <a:r>
+              <a:rPr lang="en-US" dirty="0" smtClean="0"/>
+              <a:t>- Particle system : </a:t>
+            </a:r>
+            <a:r>
+              <a:rPr lang="en-US" dirty="0" err="1" smtClean="0"/>
+              <a:t>Nehe</a:t>
+            </a:r>
+            <a:r>
+              <a:rPr lang="en-US" dirty="0" smtClean="0"/>
+              <a:t> 19 - James &amp; Mike</a:t>
+            </a:r>
+          </a:p>
+          <a:p>
+            <a:endParaRPr lang="en-US" dirty="0" smtClean="0"/>
+          </a:p>
+          <a:p>
+            <a:r>
+              <a:rPr lang="en-US" dirty="0" smtClean="0"/>
+              <a:t>- </a:t>
+            </a:r>
+            <a:r>
+              <a:rPr lang="en-US" dirty="0" smtClean="0"/>
+              <a:t>Sphere mapping / Cube mapping : </a:t>
+            </a:r>
+            <a:r>
+              <a:rPr lang="en-US" dirty="0" err="1" smtClean="0"/>
+              <a:t>Nehe</a:t>
+            </a:r>
+            <a:r>
+              <a:rPr lang="en-US" dirty="0" smtClean="0"/>
+              <a:t> 23, http://</a:t>
+            </a:r>
+            <a:r>
+              <a:rPr lang="en-US" dirty="0" err="1" smtClean="0"/>
+              <a:t>developer.nvidia.com/object/</a:t>
+            </a:r>
+            <a:r>
+              <a:rPr lang="en-US" dirty="0" err="1" smtClean="0"/>
+              <a:t>cube_map_ogl_tutorial.html</a:t>
+            </a:r>
+            <a:r>
+              <a:rPr lang="en-US" dirty="0" smtClean="0"/>
+              <a:t> - James; Danny </a:t>
+            </a:r>
+          </a:p>
+          <a:p>
+            <a:endParaRPr lang="en-US" dirty="0" smtClean="0"/>
+          </a:p>
+          <a:p>
+            <a:r>
+              <a:rPr lang="en-US" dirty="0" smtClean="0"/>
+              <a:t>- </a:t>
+            </a:r>
+            <a:r>
+              <a:rPr lang="en-US" dirty="0" smtClean="0"/>
+              <a:t>Height mapping :</a:t>
+            </a:r>
+            <a:r>
+              <a:rPr lang="en-US" dirty="0" smtClean="0"/>
+              <a:t> </a:t>
+            </a:r>
+            <a:r>
+              <a:rPr lang="en-US" dirty="0" err="1" smtClean="0"/>
+              <a:t>Nehe</a:t>
+            </a:r>
+            <a:r>
+              <a:rPr lang="en-US" dirty="0" smtClean="0"/>
+              <a:t> 34, http</a:t>
+            </a:r>
+            <a:r>
+              <a:rPr lang="en-US" dirty="0" smtClean="0"/>
+              <a:t>://www.lighthouse3d.com/opengl/terrain/index.php3?</a:t>
+            </a:r>
+            <a:r>
+              <a:rPr lang="en-US" dirty="0" smtClean="0"/>
+              <a:t>heightmap -  Gates &amp; Mike</a:t>
+            </a:r>
+            <a:endParaRPr lang="en-US" dirty="0" smtClean="0"/>
+          </a:p>
+          <a:p>
+            <a:endParaRPr lang="en-US" dirty="0" smtClean="0"/>
+          </a:p>
+          <a:p>
+            <a:endParaRPr lang="en-US" dirty="0" smtClean="0"/>
+          </a:p>
+          <a:p>
+            <a:endParaRPr lang="en-US" dirty="0"/>
           </a:p>
         </p:txBody>
       </p:sp>
@@ -4010,6 +4172,13 @@
   <p:clrMapOvr>
     <a:masterClrMapping/>
   </p:clrMapOvr>
+  <p:timing>
+    <p:tnLst>
+      <p:par>
+        <p:cTn id="1" dur="indefinite" restart="never" nodeType="tmRoot"/>
+      </p:par>
+    </p:tnLst>
+  </p:timing>
 </p:sld>
 </file>
 
@@ -5839,6 +6008,13 @@
   <p:clrMapOvr>
     <a:masterClrMapping/>
   </p:clrMapOvr>
+  <p:timing>
+    <p:tnLst>
+      <p:par>
+        <p:cTn id="1" dur="indefinite" restart="never" nodeType="tmRoot"/>
+      </p:par>
+    </p:tnLst>
+  </p:timing>
 </p:sld>
 </file>
 
@@ -5911,7 +6087,7 @@
               <a:t>Make </a:t>
             </a:r>
             <a:r>
-              <a:rPr lang="en-US" smtClean="0"/>
+              <a:rPr lang="en-US" dirty="0" smtClean="0"/>
               <a:t>the landscape </a:t>
             </a:r>
             <a:r>
@@ -5951,6 +6127,13 @@
   <p:clrMapOvr>
     <a:masterClrMapping/>
   </p:clrMapOvr>
+  <p:timing>
+    <p:tnLst>
+      <p:par>
+        <p:cTn id="1" dur="indefinite" restart="never" nodeType="tmRoot"/>
+      </p:par>
+    </p:tnLst>
+  </p:timing>
 </p:sld>
 </file>
 
